--- a/docs/Korea_IT_Academy-ADsP/ADsP_2025_1.pptx
+++ b/docs/Korea_IT_Academy-ADsP/ADsP_2025_1.pptx
@@ -284,7 +284,7 @@
           <a:p>
             <a:fld id="{77963EDB-1354-478B-B820-8DD3252AB327}" type="datetimeFigureOut">
               <a:rPr lang="ko-KR" altLang="en-US" smtClean="0"/>
-              <a:t>2025-07-20</a:t>
+              <a:t>2025-09-26</a:t>
             </a:fld>
             <a:endParaRPr lang="ko-KR" altLang="en-US"/>
           </a:p>
@@ -466,7 +466,7 @@
           <a:p>
             <a:fld id="{77963EDB-1354-478B-B820-8DD3252AB327}" type="datetimeFigureOut">
               <a:rPr lang="ko-KR" altLang="en-US" smtClean="0"/>
-              <a:t>2025-07-20</a:t>
+              <a:t>2025-09-26</a:t>
             </a:fld>
             <a:endParaRPr lang="ko-KR" altLang="en-US"/>
           </a:p>
@@ -658,7 +658,7 @@
           <a:p>
             <a:fld id="{77963EDB-1354-478B-B820-8DD3252AB327}" type="datetimeFigureOut">
               <a:rPr lang="ko-KR" altLang="en-US" smtClean="0"/>
-              <a:t>2025-07-20</a:t>
+              <a:t>2025-09-26</a:t>
             </a:fld>
             <a:endParaRPr lang="ko-KR" altLang="en-US"/>
           </a:p>
@@ -1273,7 +1273,7 @@
           <a:p>
             <a:fld id="{77963EDB-1354-478B-B820-8DD3252AB327}" type="datetimeFigureOut">
               <a:rPr lang="ko-KR" altLang="en-US" smtClean="0"/>
-              <a:t>2025-07-20</a:t>
+              <a:t>2025-09-26</a:t>
             </a:fld>
             <a:endParaRPr lang="ko-KR" altLang="en-US"/>
           </a:p>
@@ -1517,7 +1517,7 @@
           <a:p>
             <a:fld id="{77963EDB-1354-478B-B820-8DD3252AB327}" type="datetimeFigureOut">
               <a:rPr lang="ko-KR" altLang="en-US" smtClean="0"/>
-              <a:t>2025-07-20</a:t>
+              <a:t>2025-09-26</a:t>
             </a:fld>
             <a:endParaRPr lang="ko-KR" altLang="en-US"/>
           </a:p>
@@ -1896,7 +1896,7 @@
           <a:p>
             <a:fld id="{77963EDB-1354-478B-B820-8DD3252AB327}" type="datetimeFigureOut">
               <a:rPr lang="ko-KR" altLang="en-US" smtClean="0"/>
-              <a:t>2025-07-20</a:t>
+              <a:t>2025-09-26</a:t>
             </a:fld>
             <a:endParaRPr lang="ko-KR" altLang="en-US"/>
           </a:p>
@@ -2026,7 +2026,7 @@
           <a:p>
             <a:fld id="{77963EDB-1354-478B-B820-8DD3252AB327}" type="datetimeFigureOut">
               <a:rPr lang="ko-KR" altLang="en-US" smtClean="0"/>
-              <a:t>2025-07-20</a:t>
+              <a:t>2025-09-26</a:t>
             </a:fld>
             <a:endParaRPr lang="ko-KR" altLang="en-US"/>
           </a:p>
@@ -2133,7 +2133,7 @@
           <a:p>
             <a:fld id="{77963EDB-1354-478B-B820-8DD3252AB327}" type="datetimeFigureOut">
               <a:rPr lang="ko-KR" altLang="en-US" smtClean="0"/>
-              <a:t>2025-07-20</a:t>
+              <a:t>2025-09-26</a:t>
             </a:fld>
             <a:endParaRPr lang="ko-KR" altLang="en-US"/>
           </a:p>
@@ -2422,7 +2422,7 @@
           <a:p>
             <a:fld id="{77963EDB-1354-478B-B820-8DD3252AB327}" type="datetimeFigureOut">
               <a:rPr lang="ko-KR" altLang="en-US" smtClean="0"/>
-              <a:t>2025-07-20</a:t>
+              <a:t>2025-09-26</a:t>
             </a:fld>
             <a:endParaRPr lang="ko-KR" altLang="en-US"/>
           </a:p>
@@ -2691,7 +2691,7 @@
           <a:p>
             <a:fld id="{77963EDB-1354-478B-B820-8DD3252AB327}" type="datetimeFigureOut">
               <a:rPr lang="ko-KR" altLang="en-US" smtClean="0"/>
-              <a:t>2025-07-20</a:t>
+              <a:t>2025-09-26</a:t>
             </a:fld>
             <a:endParaRPr lang="ko-KR" altLang="en-US"/>
           </a:p>
@@ -2916,7 +2916,7 @@
           <a:p>
             <a:fld id="{77963EDB-1354-478B-B820-8DD3252AB327}" type="datetimeFigureOut">
               <a:rPr lang="ko-KR" altLang="en-US" smtClean="0"/>
-              <a:t>2025-07-20</a:t>
+              <a:t>2025-09-26</a:t>
             </a:fld>
             <a:endParaRPr lang="ko-KR" altLang="en-US"/>
           </a:p>
@@ -8673,19 +8673,23 @@
             </a:r>
             <a:r>
               <a:rPr lang="ko-KR" altLang="en-US" dirty="0"/>
-              <a:t>아카데미 파이썬 프로그래밍 </a:t>
-            </a:r>
-            <a:r>
-              <a:rPr lang="en-US" altLang="ko-KR" dirty="0"/>
-              <a:t>&amp; </a:t>
+              <a:t>아카데미 파이썬 </a:t>
+            </a:r>
+            <a:r>
+              <a:rPr lang="en-US" altLang="ko-KR" dirty="0"/>
+              <a:t>/ </a:t>
             </a:r>
             <a:r>
               <a:rPr lang="en-US" altLang="ko-KR" dirty="0" err="1"/>
               <a:t>ADsP</a:t>
             </a:r>
             <a:r>
-              <a:rPr lang="ko-KR" altLang="en-US" dirty="0"/>
-              <a:t> 자격 강사 </a:t>
+              <a:rPr lang="en-US" altLang="ko-KR" dirty="0"/>
+              <a:t> / </a:t>
+            </a:r>
+            <a:r>
+              <a:rPr lang="ko-KR" altLang="en-US" dirty="0"/>
+              <a:t>데이터분석 </a:t>
             </a:r>
             <a:r>
               <a:rPr lang="en-US" altLang="ko-KR" dirty="0"/>
@@ -11993,16 +11997,52 @@
                 <a:ea typeface="+mn-ea"/>
                 <a:cs typeface="Arial" panose="020B0604020202020204" pitchFamily="34" charset="0"/>
               </a:rPr>
-              <a:t>시험 안내</a:t>
-            </a:r>
-            <a:endParaRPr lang="en-US" altLang="ko-KR" sz="2400" b="1" dirty="0">
-              <a:solidFill>
-                <a:srgbClr val="0F70B7"/>
-              </a:solidFill>
-              <a:latin typeface="Arial" panose="020B0604020202020204" pitchFamily="34" charset="0"/>
-              <a:ea typeface="+mn-ea"/>
-              <a:cs typeface="Arial" panose="020B0604020202020204" pitchFamily="34" charset="0"/>
-            </a:endParaRPr>
+              <a:t>시험 안내 </a:t>
+            </a:r>
+            <a:r>
+              <a:rPr lang="en-US" altLang="ko-KR" sz="2400" b="1" dirty="0">
+                <a:solidFill>
+                  <a:srgbClr val="0F70B7"/>
+                </a:solidFill>
+                <a:latin typeface="Arial" panose="020B0604020202020204" pitchFamily="34" charset="0"/>
+                <a:ea typeface="+mn-ea"/>
+                <a:cs typeface="Arial" panose="020B0604020202020204" pitchFamily="34" charset="0"/>
+              </a:rPr>
+              <a:t>– </a:t>
+            </a:r>
+            <a:r>
+              <a:rPr lang="en-US" altLang="ko-KR" sz="2400" b="1" dirty="0" err="1">
+                <a:solidFill>
+                  <a:srgbClr val="0F70B7"/>
+                </a:solidFill>
+                <a:latin typeface="Arial" panose="020B0604020202020204" pitchFamily="34" charset="0"/>
+                <a:ea typeface="+mn-ea"/>
+                <a:cs typeface="Arial" panose="020B0604020202020204" pitchFamily="34" charset="0"/>
+              </a:rPr>
+              <a:t>ADsP</a:t>
+            </a:r>
+            <a:r>
+              <a:rPr lang="ko-KR" altLang="en-US" sz="2400" b="1" dirty="0">
+                <a:solidFill>
+                  <a:srgbClr val="0F70B7"/>
+                </a:solidFill>
+                <a:latin typeface="Arial" panose="020B0604020202020204" pitchFamily="34" charset="0"/>
+                <a:ea typeface="+mn-ea"/>
+                <a:cs typeface="Arial" panose="020B0604020202020204" pitchFamily="34" charset="0"/>
+              </a:rPr>
+              <a:t> </a:t>
+            </a:r>
+            <a:r>
+              <a:rPr lang="en-US" altLang="ko-KR" sz="2400" b="1" dirty="0">
+                <a:solidFill>
+                  <a:srgbClr val="0F70B7"/>
+                </a:solidFill>
+                <a:latin typeface="Arial" panose="020B0604020202020204" pitchFamily="34" charset="0"/>
+                <a:ea typeface="+mn-ea"/>
+                <a:cs typeface="Arial" panose="020B0604020202020204" pitchFamily="34" charset="0"/>
+              </a:rPr>
+              <a:t>2025</a:t>
+            </a:r>
           </a:p>
         </p:txBody>
       </p:sp>
@@ -13537,7 +13577,7 @@
         <p:spPr>
           <a:xfrm>
             <a:off x="1358537" y="1375818"/>
-            <a:ext cx="8195888" cy="4401205"/>
+            <a:ext cx="8195888" cy="4185761"/>
           </a:xfrm>
           <a:prstGeom prst="rect">
             <a:avLst/>
@@ -13584,60 +13624,26 @@
             </a:pPr>
             <a:r>
               <a:rPr lang="ko-KR" altLang="en-US" dirty="0"/>
-              <a:t>오픈채팅방을 통해 기출문제 공유</a:t>
-            </a:r>
-            <a:endParaRPr lang="en-US" altLang="ko-KR" dirty="0"/>
+              <a:t>공유된 자료 출력 및 다운로드는 자유롭게 사용하나</a:t>
+            </a:r>
+            <a:r>
+              <a:rPr lang="en-US" altLang="ko-KR" dirty="0"/>
+              <a:t>, </a:t>
+            </a:r>
+            <a:r>
+              <a:rPr lang="ko-KR" altLang="en-US" dirty="0"/>
+              <a:t>배포나 공유는 자재해주시길 바랍니다</a:t>
+            </a:r>
+            <a:r>
+              <a:rPr lang="en-US" altLang="ko-KR" dirty="0"/>
+              <a:t>.</a:t>
+            </a:r>
           </a:p>
           <a:p>
             <a:pPr marL="285750" indent="-285750">
               <a:buFontTx/>
               <a:buChar char="-"/>
             </a:pPr>
-            <a:endParaRPr lang="en-US" altLang="ko-KR" dirty="0"/>
-          </a:p>
-          <a:p>
-            <a:r>
-              <a:rPr lang="en-US" altLang="ko-KR" sz="1400" dirty="0">
-                <a:solidFill>
-                  <a:schemeClr val="accent1"/>
-                </a:solidFill>
-              </a:rPr>
-              <a:t>	</a:t>
-            </a:r>
-            <a:r>
-              <a:rPr lang="ko-KR" altLang="en-US" sz="1400" dirty="0">
-                <a:solidFill>
-                  <a:schemeClr val="accent1"/>
-                </a:solidFill>
-              </a:rPr>
-              <a:t>출력 및 다운로드는 자유롭게 사용하나</a:t>
-            </a:r>
-            <a:r>
-              <a:rPr lang="en-US" altLang="ko-KR" sz="1400" dirty="0">
-                <a:solidFill>
-                  <a:schemeClr val="accent1"/>
-                </a:solidFill>
-              </a:rPr>
-              <a:t>, </a:t>
-            </a:r>
-            <a:r>
-              <a:rPr lang="ko-KR" altLang="en-US" sz="1400" dirty="0">
-                <a:solidFill>
-                  <a:schemeClr val="accent1"/>
-                </a:solidFill>
-              </a:rPr>
-              <a:t>배포나 공유는 자재해주시길 바랍니다</a:t>
-            </a:r>
-            <a:r>
-              <a:rPr lang="en-US" altLang="ko-KR" sz="1400" dirty="0">
-                <a:solidFill>
-                  <a:schemeClr val="accent1"/>
-                </a:solidFill>
-              </a:rPr>
-              <a:t>.</a:t>
-            </a:r>
-          </a:p>
-          <a:p>
             <a:endParaRPr lang="en-US" altLang="ko-KR" sz="1400" dirty="0">
               <a:solidFill>
                 <a:schemeClr val="accent1"/>
